--- a/translations/en-us/Robot/ProgrammingOptions.pptx
+++ b/translations/en-us/Robot/ProgrammingOptions.pptx
@@ -207,7 +207,7 @@
           <a:p>
             <a:fld id="{1DA05D45-2BCB-7D45-A4DC-3AF42B1AEA7C}" type="datetimeFigureOut">
               <a:rPr lang="en-US" smtClean="0"/>
-              <a:t>4/12/20</a:t>
+              <a:t>4/13/20</a:t>
             </a:fld>
             <a:endParaRPr lang="en-US"/>
           </a:p>
@@ -3134,7 +3134,7 @@
           <a:p>
             <a:fld id="{7B78B43C-C2F7-C548-8AD9-EBCC568A1127}" type="datetime1">
               <a:rPr lang="en-US" smtClean="0"/>
-              <a:t>4/12/20</a:t>
+              <a:t>4/13/20</a:t>
             </a:fld>
             <a:endParaRPr lang="en-US"/>
           </a:p>
@@ -5660,7 +5660,7 @@
           <a:p>
             <a:fld id="{D71D51ED-B3BD-4446-BFE8-DC51757F1B37}" type="datetime1">
               <a:rPr lang="en-US" smtClean="0"/>
-              <a:t>4/12/20</a:t>
+              <a:t>4/13/20</a:t>
             </a:fld>
             <a:endParaRPr lang="en-US"/>
           </a:p>
@@ -5901,7 +5901,7 @@
           <a:p>
             <a:fld id="{50411E0D-CEDE-3B48-B327-BA5F8C8C123F}" type="datetime1">
               <a:rPr lang="en-US" smtClean="0"/>
-              <a:t>4/12/20</a:t>
+              <a:t>4/13/20</a:t>
             </a:fld>
             <a:endParaRPr lang="en-US"/>
           </a:p>
@@ -6142,7 +6142,7 @@
           <a:p>
             <a:fld id="{8B819C03-7264-234E-BC60-D9AC9A7D93C8}" type="datetime1">
               <a:rPr lang="en-US" smtClean="0"/>
-              <a:t>4/12/20</a:t>
+              <a:t>4/13/20</a:t>
             </a:fld>
             <a:endParaRPr lang="en-US"/>
           </a:p>
@@ -6916,7 +6916,7 @@
           <a:p>
             <a:fld id="{B3F34C0A-F4D8-9640-803F-3FBB945906A3}" type="datetime1">
               <a:rPr lang="en-US" smtClean="0"/>
-              <a:t>4/12/20</a:t>
+              <a:t>4/13/20</a:t>
             </a:fld>
             <a:endParaRPr lang="en-US"/>
           </a:p>
@@ -7601,7 +7601,7 @@
           <a:p>
             <a:fld id="{5F7BE8D7-2153-0E4B-BFAF-F4E706F1AA42}" type="datetime1">
               <a:rPr lang="en-US" smtClean="0"/>
-              <a:t>4/12/20</a:t>
+              <a:t>4/13/20</a:t>
             </a:fld>
             <a:endParaRPr lang="en-US"/>
           </a:p>
@@ -8442,7 +8442,7 @@
           <a:p>
             <a:fld id="{1E5B35C4-9FA8-E04A-9C38-20FC18F29AF2}" type="datetime1">
               <a:rPr lang="en-US" smtClean="0"/>
-              <a:t>4/12/20</a:t>
+              <a:t>4/13/20</a:t>
             </a:fld>
             <a:endParaRPr lang="en-US"/>
           </a:p>
@@ -9435,7 +9435,7 @@
           <a:p>
             <a:fld id="{12CED457-629C-F544-9839-271F38324669}" type="datetime1">
               <a:rPr lang="en-US" smtClean="0"/>
-              <a:t>4/12/20</a:t>
+              <a:t>4/13/20</a:t>
             </a:fld>
             <a:endParaRPr lang="en-US"/>
           </a:p>
@@ -11814,7 +11814,7 @@
           <a:p>
             <a:fld id="{1A3D0B17-0515-7947-AD7B-029C3C83F1CF}" type="datetime1">
               <a:rPr lang="en-US" smtClean="0"/>
-              <a:t>4/12/20</a:t>
+              <a:t>4/13/20</a:t>
             </a:fld>
             <a:endParaRPr lang="en-US"/>
           </a:p>
@@ -11954,7 +11954,7 @@
           <a:p>
             <a:fld id="{7CAD8DAD-08C9-DB4E-8B1C-D74A7D012D2C}" type="datetime1">
               <a:rPr lang="en-US" smtClean="0"/>
-              <a:t>4/12/20</a:t>
+              <a:t>4/13/20</a:t>
             </a:fld>
             <a:endParaRPr lang="en-US"/>
           </a:p>
@@ -12488,7 +12488,7 @@
           <a:p>
             <a:fld id="{784C8811-515E-6948-8087-A1D25FC5C337}" type="datetime1">
               <a:rPr lang="en-US" smtClean="0"/>
-              <a:t>4/12/20</a:t>
+              <a:t>4/13/20</a:t>
             </a:fld>
             <a:endParaRPr lang="en-US"/>
           </a:p>
@@ -13827,7 +13827,7 @@
           <a:p>
             <a:fld id="{9B25849A-1D98-EB4A-9EA7-6E2B8814AFEC}" type="datetime1">
               <a:rPr lang="en-US" smtClean="0"/>
-              <a:t>4/12/20</a:t>
+              <a:t>4/13/20</a:t>
             </a:fld>
             <a:endParaRPr lang="en-US"/>
           </a:p>
@@ -14091,7 +14091,7 @@
           <a:p>
             <a:fld id="{EFF50485-F336-B140-952D-0693F21216A6}" type="datetime1">
               <a:rPr lang="en-US" smtClean="0"/>
-              <a:t>4/12/20</a:t>
+              <a:t>4/13/20</a:t>
             </a:fld>
             <a:endParaRPr lang="en-US"/>
           </a:p>
@@ -16310,7 +16310,7 @@
           <a:effectLst/>
           <a:extLst>
             <a:ext uri="{91240B29-F687-4f45-9708-019B960494DF}">
-              <a14:hiddenLine xmlns="" xmlns:a14="http://schemas.microsoft.com/office/drawing/2010/main" w="9525">
+              <a14:hiddenLine xmlns:a14="http://schemas.microsoft.com/office/drawing/2010/main" xmlns="" w="9525">
                 <a:solidFill>
                   <a:schemeClr val="tx1"/>
                 </a:solidFill>
@@ -16320,7 +16320,7 @@
               </a14:hiddenLine>
             </a:ext>
             <a:ext uri="{AF507438-7753-43e0-B8FC-AC1667EBCBE1}">
-              <a14:hiddenEffects xmlns="" xmlns:a14="http://schemas.microsoft.com/office/drawing/2010/main">
+              <a14:hiddenEffects xmlns:a14="http://schemas.microsoft.com/office/drawing/2010/main" xmlns="">
                 <a:effectLst>
                   <a:outerShdw dist="35921" dir="2700000" algn="ctr" rotWithShape="0">
                     <a:schemeClr val="bg2"/>
@@ -16617,7 +16617,7 @@
           <a:noFill/>
           <a:extLst>
             <a:ext uri="{909E8E84-426E-40dd-AFC4-6F175D3DCCD1}">
-              <a14:hiddenFill xmlns="" xmlns:a14="http://schemas.microsoft.com/office/drawing/2010/main">
+              <a14:hiddenFill xmlns:a14="http://schemas.microsoft.com/office/drawing/2010/main" xmlns="">
                 <a:solidFill>
                   <a:srgbClr val="FFFFFF"/>
                 </a:solidFill>
